--- a/i6mA-DNC/presentation/i6mA-DNC.pptx
+++ b/i6mA-DNC/presentation/i6mA-DNC.pptx
@@ -5,7 +5,7 @@
     <p:sldMasterId id="2147483648" r:id="rId1"/>
   </p:sldMasterIdLst>
   <p:notesMasterIdLst>
-    <p:notesMasterId r:id="rId17"/>
+    <p:notesMasterId r:id="rId23"/>
   </p:notesMasterIdLst>
   <p:sldIdLst>
     <p:sldId id="256" r:id="rId2"/>
@@ -23,6 +23,12 @@
     <p:sldId id="269" r:id="rId14"/>
     <p:sldId id="270" r:id="rId15"/>
     <p:sldId id="271" r:id="rId16"/>
+    <p:sldId id="272" r:id="rId17"/>
+    <p:sldId id="273" r:id="rId18"/>
+    <p:sldId id="274" r:id="rId19"/>
+    <p:sldId id="275" r:id="rId20"/>
+    <p:sldId id="276" r:id="rId21"/>
+    <p:sldId id="277" r:id="rId22"/>
   </p:sldIdLst>
   <p:sldSz cx="12192000" cy="6858000"/>
   <p:notesSz cx="6858000" cy="9144000"/>
@@ -121,6 +127,11 @@
       </a:defRPr>
     </a:lvl9pPr>
   </p:defaultTextStyle>
+  <p:extLst>
+    <p:ext uri="{EFAFB233-063F-42B5-8137-9DF3F51BA10A}">
+      <p15:sldGuideLst xmlns:p15="http://schemas.microsoft.com/office/powerpoint/2012/main"/>
+    </p:ext>
+  </p:extLst>
 </p:presentation>
 </file>
 
@@ -716,6 +727,510 @@
     <p:extLst>
       <p:ext uri="{BB962C8B-B14F-4D97-AF65-F5344CB8AC3E}">
         <p14:creationId xmlns:p14="http://schemas.microsoft.com/office/powerpoint/2010/main" val="1128864145"/>
+      </p:ext>
+    </p:extLst>
+  </p:cSld>
+  <p:clrMapOvr>
+    <a:masterClrMapping/>
+  </p:clrMapOvr>
+</p:notes>
+</file>
+
+<file path=ppt/notesSlides/notesSlide4.xml><?xml version="1.0" encoding="utf-8"?>
+<p:notes xmlns:a="http://schemas.openxmlformats.org/drawingml/2006/main" xmlns:r="http://schemas.openxmlformats.org/officeDocument/2006/relationships" xmlns:p="http://schemas.openxmlformats.org/presentationml/2006/main">
+  <p:cSld>
+    <p:spTree>
+      <p:nvGrpSpPr>
+        <p:cNvPr id="1" name=""/>
+        <p:cNvGrpSpPr/>
+        <p:nvPr/>
+      </p:nvGrpSpPr>
+      <p:grpSpPr>
+        <a:xfrm>
+          <a:off x="0" y="0"/>
+          <a:ext cx="0" cy="0"/>
+          <a:chOff x="0" y="0"/>
+          <a:chExt cx="0" cy="0"/>
+        </a:xfrm>
+      </p:grpSpPr>
+      <p:sp>
+        <p:nvSpPr>
+          <p:cNvPr id="2" name="投影片影像版面配置區 1"/>
+          <p:cNvSpPr>
+            <a:spLocks noGrp="1" noRot="1" noChangeAspect="1"/>
+          </p:cNvSpPr>
+          <p:nvPr>
+            <p:ph type="sldImg"/>
+          </p:nvPr>
+        </p:nvSpPr>
+        <p:spPr/>
+      </p:sp>
+      <p:sp>
+        <p:nvSpPr>
+          <p:cNvPr id="3" name="備忘稿版面配置區 2"/>
+          <p:cNvSpPr>
+            <a:spLocks noGrp="1"/>
+          </p:cNvSpPr>
+          <p:nvPr>
+            <p:ph type="body" idx="1"/>
+          </p:nvPr>
+        </p:nvSpPr>
+        <p:spPr/>
+        <p:txBody>
+          <a:bodyPr/>
+          <a:lstStyle/>
+          <a:p>
+            <a:endParaRPr lang="zh-TW" altLang="en-US" dirty="0"/>
+          </a:p>
+        </p:txBody>
+      </p:sp>
+      <p:sp>
+        <p:nvSpPr>
+          <p:cNvPr id="4" name="投影片編號版面配置區 3"/>
+          <p:cNvSpPr>
+            <a:spLocks noGrp="1"/>
+          </p:cNvSpPr>
+          <p:nvPr>
+            <p:ph type="sldNum" sz="quarter" idx="5"/>
+          </p:nvPr>
+        </p:nvSpPr>
+        <p:spPr/>
+        <p:txBody>
+          <a:bodyPr/>
+          <a:lstStyle/>
+          <a:p>
+            <a:fld id="{4531A0C0-B94E-4B61-A783-B4A17414247B}" type="slidenum">
+              <a:rPr lang="zh-TW" altLang="en-US" smtClean="0"/>
+              <a:t>16</a:t>
+            </a:fld>
+            <a:endParaRPr lang="zh-TW" altLang="en-US"/>
+          </a:p>
+        </p:txBody>
+      </p:sp>
+    </p:spTree>
+    <p:extLst>
+      <p:ext uri="{BB962C8B-B14F-4D97-AF65-F5344CB8AC3E}">
+        <p14:creationId xmlns:p14="http://schemas.microsoft.com/office/powerpoint/2010/main" val="2449487413"/>
+      </p:ext>
+    </p:extLst>
+  </p:cSld>
+  <p:clrMapOvr>
+    <a:masterClrMapping/>
+  </p:clrMapOvr>
+</p:notes>
+</file>
+
+<file path=ppt/notesSlides/notesSlide5.xml><?xml version="1.0" encoding="utf-8"?>
+<p:notes xmlns:a="http://schemas.openxmlformats.org/drawingml/2006/main" xmlns:r="http://schemas.openxmlformats.org/officeDocument/2006/relationships" xmlns:p="http://schemas.openxmlformats.org/presentationml/2006/main">
+  <p:cSld>
+    <p:spTree>
+      <p:nvGrpSpPr>
+        <p:cNvPr id="1" name=""/>
+        <p:cNvGrpSpPr/>
+        <p:nvPr/>
+      </p:nvGrpSpPr>
+      <p:grpSpPr>
+        <a:xfrm>
+          <a:off x="0" y="0"/>
+          <a:ext cx="0" cy="0"/>
+          <a:chOff x="0" y="0"/>
+          <a:chExt cx="0" cy="0"/>
+        </a:xfrm>
+      </p:grpSpPr>
+      <p:sp>
+        <p:nvSpPr>
+          <p:cNvPr id="2" name="投影片影像版面配置區 1"/>
+          <p:cNvSpPr>
+            <a:spLocks noGrp="1" noRot="1" noChangeAspect="1"/>
+          </p:cNvSpPr>
+          <p:nvPr>
+            <p:ph type="sldImg"/>
+          </p:nvPr>
+        </p:nvSpPr>
+        <p:spPr/>
+      </p:sp>
+      <p:sp>
+        <p:nvSpPr>
+          <p:cNvPr id="3" name="備忘稿版面配置區 2"/>
+          <p:cNvSpPr>
+            <a:spLocks noGrp="1"/>
+          </p:cNvSpPr>
+          <p:nvPr>
+            <p:ph type="body" idx="1"/>
+          </p:nvPr>
+        </p:nvSpPr>
+        <p:spPr/>
+        <p:txBody>
+          <a:bodyPr/>
+          <a:lstStyle/>
+          <a:p>
+            <a:endParaRPr lang="zh-TW" altLang="en-US" dirty="0"/>
+          </a:p>
+        </p:txBody>
+      </p:sp>
+      <p:sp>
+        <p:nvSpPr>
+          <p:cNvPr id="4" name="投影片編號版面配置區 3"/>
+          <p:cNvSpPr>
+            <a:spLocks noGrp="1"/>
+          </p:cNvSpPr>
+          <p:nvPr>
+            <p:ph type="sldNum" sz="quarter" idx="5"/>
+          </p:nvPr>
+        </p:nvSpPr>
+        <p:spPr/>
+        <p:txBody>
+          <a:bodyPr/>
+          <a:lstStyle/>
+          <a:p>
+            <a:fld id="{4531A0C0-B94E-4B61-A783-B4A17414247B}" type="slidenum">
+              <a:rPr lang="zh-TW" altLang="en-US" smtClean="0"/>
+              <a:t>17</a:t>
+            </a:fld>
+            <a:endParaRPr lang="zh-TW" altLang="en-US"/>
+          </a:p>
+        </p:txBody>
+      </p:sp>
+    </p:spTree>
+    <p:extLst>
+      <p:ext uri="{BB962C8B-B14F-4D97-AF65-F5344CB8AC3E}">
+        <p14:creationId xmlns:p14="http://schemas.microsoft.com/office/powerpoint/2010/main" val="2821483346"/>
+      </p:ext>
+    </p:extLst>
+  </p:cSld>
+  <p:clrMapOvr>
+    <a:masterClrMapping/>
+  </p:clrMapOvr>
+</p:notes>
+</file>
+
+<file path=ppt/notesSlides/notesSlide6.xml><?xml version="1.0" encoding="utf-8"?>
+<p:notes xmlns:a="http://schemas.openxmlformats.org/drawingml/2006/main" xmlns:r="http://schemas.openxmlformats.org/officeDocument/2006/relationships" xmlns:p="http://schemas.openxmlformats.org/presentationml/2006/main">
+  <p:cSld>
+    <p:spTree>
+      <p:nvGrpSpPr>
+        <p:cNvPr id="1" name=""/>
+        <p:cNvGrpSpPr/>
+        <p:nvPr/>
+      </p:nvGrpSpPr>
+      <p:grpSpPr>
+        <a:xfrm>
+          <a:off x="0" y="0"/>
+          <a:ext cx="0" cy="0"/>
+          <a:chOff x="0" y="0"/>
+          <a:chExt cx="0" cy="0"/>
+        </a:xfrm>
+      </p:grpSpPr>
+      <p:sp>
+        <p:nvSpPr>
+          <p:cNvPr id="2" name="投影片影像版面配置區 1"/>
+          <p:cNvSpPr>
+            <a:spLocks noGrp="1" noRot="1" noChangeAspect="1"/>
+          </p:cNvSpPr>
+          <p:nvPr>
+            <p:ph type="sldImg"/>
+          </p:nvPr>
+        </p:nvSpPr>
+        <p:spPr/>
+      </p:sp>
+      <p:sp>
+        <p:nvSpPr>
+          <p:cNvPr id="3" name="備忘稿版面配置區 2"/>
+          <p:cNvSpPr>
+            <a:spLocks noGrp="1"/>
+          </p:cNvSpPr>
+          <p:nvPr>
+            <p:ph type="body" idx="1"/>
+          </p:nvPr>
+        </p:nvSpPr>
+        <p:spPr/>
+        <p:txBody>
+          <a:bodyPr/>
+          <a:lstStyle/>
+          <a:p>
+            <a:endParaRPr lang="zh-TW" altLang="en-US" dirty="0"/>
+          </a:p>
+        </p:txBody>
+      </p:sp>
+      <p:sp>
+        <p:nvSpPr>
+          <p:cNvPr id="4" name="投影片編號版面配置區 3"/>
+          <p:cNvSpPr>
+            <a:spLocks noGrp="1"/>
+          </p:cNvSpPr>
+          <p:nvPr>
+            <p:ph type="sldNum" sz="quarter" idx="5"/>
+          </p:nvPr>
+        </p:nvSpPr>
+        <p:spPr/>
+        <p:txBody>
+          <a:bodyPr/>
+          <a:lstStyle/>
+          <a:p>
+            <a:fld id="{4531A0C0-B94E-4B61-A783-B4A17414247B}" type="slidenum">
+              <a:rPr lang="zh-TW" altLang="en-US" smtClean="0"/>
+              <a:t>18</a:t>
+            </a:fld>
+            <a:endParaRPr lang="zh-TW" altLang="en-US"/>
+          </a:p>
+        </p:txBody>
+      </p:sp>
+    </p:spTree>
+    <p:extLst>
+      <p:ext uri="{BB962C8B-B14F-4D97-AF65-F5344CB8AC3E}">
+        <p14:creationId xmlns:p14="http://schemas.microsoft.com/office/powerpoint/2010/main" val="4289285930"/>
+      </p:ext>
+    </p:extLst>
+  </p:cSld>
+  <p:clrMapOvr>
+    <a:masterClrMapping/>
+  </p:clrMapOvr>
+</p:notes>
+</file>
+
+<file path=ppt/notesSlides/notesSlide7.xml><?xml version="1.0" encoding="utf-8"?>
+<p:notes xmlns:a="http://schemas.openxmlformats.org/drawingml/2006/main" xmlns:r="http://schemas.openxmlformats.org/officeDocument/2006/relationships" xmlns:p="http://schemas.openxmlformats.org/presentationml/2006/main">
+  <p:cSld>
+    <p:spTree>
+      <p:nvGrpSpPr>
+        <p:cNvPr id="1" name=""/>
+        <p:cNvGrpSpPr/>
+        <p:nvPr/>
+      </p:nvGrpSpPr>
+      <p:grpSpPr>
+        <a:xfrm>
+          <a:off x="0" y="0"/>
+          <a:ext cx="0" cy="0"/>
+          <a:chOff x="0" y="0"/>
+          <a:chExt cx="0" cy="0"/>
+        </a:xfrm>
+      </p:grpSpPr>
+      <p:sp>
+        <p:nvSpPr>
+          <p:cNvPr id="2" name="投影片影像版面配置區 1"/>
+          <p:cNvSpPr>
+            <a:spLocks noGrp="1" noRot="1" noChangeAspect="1"/>
+          </p:cNvSpPr>
+          <p:nvPr>
+            <p:ph type="sldImg"/>
+          </p:nvPr>
+        </p:nvSpPr>
+        <p:spPr/>
+      </p:sp>
+      <p:sp>
+        <p:nvSpPr>
+          <p:cNvPr id="3" name="備忘稿版面配置區 2"/>
+          <p:cNvSpPr>
+            <a:spLocks noGrp="1"/>
+          </p:cNvSpPr>
+          <p:nvPr>
+            <p:ph type="body" idx="1"/>
+          </p:nvPr>
+        </p:nvSpPr>
+        <p:spPr/>
+        <p:txBody>
+          <a:bodyPr/>
+          <a:lstStyle/>
+          <a:p>
+            <a:endParaRPr lang="zh-TW" altLang="en-US" dirty="0"/>
+          </a:p>
+        </p:txBody>
+      </p:sp>
+      <p:sp>
+        <p:nvSpPr>
+          <p:cNvPr id="4" name="投影片編號版面配置區 3"/>
+          <p:cNvSpPr>
+            <a:spLocks noGrp="1"/>
+          </p:cNvSpPr>
+          <p:nvPr>
+            <p:ph type="sldNum" sz="quarter" idx="5"/>
+          </p:nvPr>
+        </p:nvSpPr>
+        <p:spPr/>
+        <p:txBody>
+          <a:bodyPr/>
+          <a:lstStyle/>
+          <a:p>
+            <a:fld id="{4531A0C0-B94E-4B61-A783-B4A17414247B}" type="slidenum">
+              <a:rPr lang="zh-TW" altLang="en-US" smtClean="0"/>
+              <a:t>19</a:t>
+            </a:fld>
+            <a:endParaRPr lang="zh-TW" altLang="en-US"/>
+          </a:p>
+        </p:txBody>
+      </p:sp>
+    </p:spTree>
+    <p:extLst>
+      <p:ext uri="{BB962C8B-B14F-4D97-AF65-F5344CB8AC3E}">
+        <p14:creationId xmlns:p14="http://schemas.microsoft.com/office/powerpoint/2010/main" val="1734941809"/>
+      </p:ext>
+    </p:extLst>
+  </p:cSld>
+  <p:clrMapOvr>
+    <a:masterClrMapping/>
+  </p:clrMapOvr>
+</p:notes>
+</file>
+
+<file path=ppt/notesSlides/notesSlide8.xml><?xml version="1.0" encoding="utf-8"?>
+<p:notes xmlns:a="http://schemas.openxmlformats.org/drawingml/2006/main" xmlns:r="http://schemas.openxmlformats.org/officeDocument/2006/relationships" xmlns:p="http://schemas.openxmlformats.org/presentationml/2006/main">
+  <p:cSld>
+    <p:spTree>
+      <p:nvGrpSpPr>
+        <p:cNvPr id="1" name=""/>
+        <p:cNvGrpSpPr/>
+        <p:nvPr/>
+      </p:nvGrpSpPr>
+      <p:grpSpPr>
+        <a:xfrm>
+          <a:off x="0" y="0"/>
+          <a:ext cx="0" cy="0"/>
+          <a:chOff x="0" y="0"/>
+          <a:chExt cx="0" cy="0"/>
+        </a:xfrm>
+      </p:grpSpPr>
+      <p:sp>
+        <p:nvSpPr>
+          <p:cNvPr id="2" name="投影片影像版面配置區 1"/>
+          <p:cNvSpPr>
+            <a:spLocks noGrp="1" noRot="1" noChangeAspect="1"/>
+          </p:cNvSpPr>
+          <p:nvPr>
+            <p:ph type="sldImg"/>
+          </p:nvPr>
+        </p:nvSpPr>
+        <p:spPr/>
+      </p:sp>
+      <p:sp>
+        <p:nvSpPr>
+          <p:cNvPr id="3" name="備忘稿版面配置區 2"/>
+          <p:cNvSpPr>
+            <a:spLocks noGrp="1"/>
+          </p:cNvSpPr>
+          <p:nvPr>
+            <p:ph type="body" idx="1"/>
+          </p:nvPr>
+        </p:nvSpPr>
+        <p:spPr/>
+        <p:txBody>
+          <a:bodyPr/>
+          <a:lstStyle/>
+          <a:p>
+            <a:endParaRPr lang="zh-TW" altLang="en-US" dirty="0"/>
+          </a:p>
+        </p:txBody>
+      </p:sp>
+      <p:sp>
+        <p:nvSpPr>
+          <p:cNvPr id="4" name="投影片編號版面配置區 3"/>
+          <p:cNvSpPr>
+            <a:spLocks noGrp="1"/>
+          </p:cNvSpPr>
+          <p:nvPr>
+            <p:ph type="sldNum" sz="quarter" idx="5"/>
+          </p:nvPr>
+        </p:nvSpPr>
+        <p:spPr/>
+        <p:txBody>
+          <a:bodyPr/>
+          <a:lstStyle/>
+          <a:p>
+            <a:fld id="{4531A0C0-B94E-4B61-A783-B4A17414247B}" type="slidenum">
+              <a:rPr lang="zh-TW" altLang="en-US" smtClean="0"/>
+              <a:t>20</a:t>
+            </a:fld>
+            <a:endParaRPr lang="zh-TW" altLang="en-US"/>
+          </a:p>
+        </p:txBody>
+      </p:sp>
+    </p:spTree>
+    <p:extLst>
+      <p:ext uri="{BB962C8B-B14F-4D97-AF65-F5344CB8AC3E}">
+        <p14:creationId xmlns:p14="http://schemas.microsoft.com/office/powerpoint/2010/main" val="2691875948"/>
+      </p:ext>
+    </p:extLst>
+  </p:cSld>
+  <p:clrMapOvr>
+    <a:masterClrMapping/>
+  </p:clrMapOvr>
+</p:notes>
+</file>
+
+<file path=ppt/notesSlides/notesSlide9.xml><?xml version="1.0" encoding="utf-8"?>
+<p:notes xmlns:a="http://schemas.openxmlformats.org/drawingml/2006/main" xmlns:r="http://schemas.openxmlformats.org/officeDocument/2006/relationships" xmlns:p="http://schemas.openxmlformats.org/presentationml/2006/main">
+  <p:cSld>
+    <p:spTree>
+      <p:nvGrpSpPr>
+        <p:cNvPr id="1" name=""/>
+        <p:cNvGrpSpPr/>
+        <p:nvPr/>
+      </p:nvGrpSpPr>
+      <p:grpSpPr>
+        <a:xfrm>
+          <a:off x="0" y="0"/>
+          <a:ext cx="0" cy="0"/>
+          <a:chOff x="0" y="0"/>
+          <a:chExt cx="0" cy="0"/>
+        </a:xfrm>
+      </p:grpSpPr>
+      <p:sp>
+        <p:nvSpPr>
+          <p:cNvPr id="2" name="投影片影像版面配置區 1"/>
+          <p:cNvSpPr>
+            <a:spLocks noGrp="1" noRot="1" noChangeAspect="1"/>
+          </p:cNvSpPr>
+          <p:nvPr>
+            <p:ph type="sldImg"/>
+          </p:nvPr>
+        </p:nvSpPr>
+        <p:spPr/>
+      </p:sp>
+      <p:sp>
+        <p:nvSpPr>
+          <p:cNvPr id="3" name="備忘稿版面配置區 2"/>
+          <p:cNvSpPr>
+            <a:spLocks noGrp="1"/>
+          </p:cNvSpPr>
+          <p:nvPr>
+            <p:ph type="body" idx="1"/>
+          </p:nvPr>
+        </p:nvSpPr>
+        <p:spPr/>
+        <p:txBody>
+          <a:bodyPr/>
+          <a:lstStyle/>
+          <a:p>
+            <a:endParaRPr lang="zh-TW" altLang="en-US" dirty="0"/>
+          </a:p>
+        </p:txBody>
+      </p:sp>
+      <p:sp>
+        <p:nvSpPr>
+          <p:cNvPr id="4" name="投影片編號版面配置區 3"/>
+          <p:cNvSpPr>
+            <a:spLocks noGrp="1"/>
+          </p:cNvSpPr>
+          <p:nvPr>
+            <p:ph type="sldNum" sz="quarter" idx="5"/>
+          </p:nvPr>
+        </p:nvSpPr>
+        <p:spPr/>
+        <p:txBody>
+          <a:bodyPr/>
+          <a:lstStyle/>
+          <a:p>
+            <a:fld id="{4531A0C0-B94E-4B61-A783-B4A17414247B}" type="slidenum">
+              <a:rPr lang="zh-TW" altLang="en-US" smtClean="0"/>
+              <a:t>21</a:t>
+            </a:fld>
+            <a:endParaRPr lang="zh-TW" altLang="en-US"/>
+          </a:p>
+        </p:txBody>
+      </p:sp>
+    </p:spTree>
+    <p:extLst>
+      <p:ext uri="{BB962C8B-B14F-4D97-AF65-F5344CB8AC3E}">
+        <p14:creationId xmlns:p14="http://schemas.microsoft.com/office/powerpoint/2010/main" val="3884196866"/>
       </p:ext>
     </p:extLst>
   </p:cSld>
@@ -5304,10 +5819,850 @@
           </a:p>
         </p:txBody>
       </p:sp>
+      <p:pic>
+        <p:nvPicPr>
+          <p:cNvPr id="5" name="圖片 4">
+            <a:extLst>
+              <a:ext uri="{FF2B5EF4-FFF2-40B4-BE49-F238E27FC236}">
+                <a16:creationId xmlns:a16="http://schemas.microsoft.com/office/drawing/2014/main" id="{316BF141-13AE-4D90-ADE6-CCB6E0A86D56}"/>
+              </a:ext>
+            </a:extLst>
+          </p:cNvPr>
+          <p:cNvPicPr>
+            <a:picLocks noChangeAspect="1"/>
+          </p:cNvPicPr>
+          <p:nvPr/>
+        </p:nvPicPr>
+        <p:blipFill>
+          <a:blip r:embed="rId3"/>
+          <a:stretch>
+            <a:fillRect/>
+          </a:stretch>
+        </p:blipFill>
+        <p:spPr>
+          <a:xfrm>
+            <a:off x="2009204" y="2421234"/>
+            <a:ext cx="8173591" cy="3639058"/>
+          </a:xfrm>
+          <a:prstGeom prst="rect">
+            <a:avLst/>
+          </a:prstGeom>
+        </p:spPr>
+      </p:pic>
     </p:spTree>
     <p:extLst>
       <p:ext uri="{BB962C8B-B14F-4D97-AF65-F5344CB8AC3E}">
         <p14:creationId xmlns:p14="http://schemas.microsoft.com/office/powerpoint/2010/main" val="928286621"/>
+      </p:ext>
+    </p:extLst>
+  </p:cSld>
+  <p:clrMapOvr>
+    <a:masterClrMapping/>
+  </p:clrMapOvr>
+</p:sld>
+</file>
+
+<file path=ppt/slides/slide16.xml><?xml version="1.0" encoding="utf-8"?>
+<p:sld xmlns:a="http://schemas.openxmlformats.org/drawingml/2006/main" xmlns:r="http://schemas.openxmlformats.org/officeDocument/2006/relationships" xmlns:p="http://schemas.openxmlformats.org/presentationml/2006/main">
+  <p:cSld>
+    <p:spTree>
+      <p:nvGrpSpPr>
+        <p:cNvPr id="1" name=""/>
+        <p:cNvGrpSpPr/>
+        <p:nvPr/>
+      </p:nvGrpSpPr>
+      <p:grpSpPr>
+        <a:xfrm>
+          <a:off x="0" y="0"/>
+          <a:ext cx="0" cy="0"/>
+          <a:chOff x="0" y="0"/>
+          <a:chExt cx="0" cy="0"/>
+        </a:xfrm>
+      </p:grpSpPr>
+      <p:sp>
+        <p:nvSpPr>
+          <p:cNvPr id="2" name="標題 1">
+            <a:extLst>
+              <a:ext uri="{FF2B5EF4-FFF2-40B4-BE49-F238E27FC236}">
+                <a16:creationId xmlns:a16="http://schemas.microsoft.com/office/drawing/2014/main" id="{F434CB04-C420-4025-A0E7-3AD37A433698}"/>
+              </a:ext>
+            </a:extLst>
+          </p:cNvPr>
+          <p:cNvSpPr>
+            <a:spLocks noGrp="1"/>
+          </p:cNvSpPr>
+          <p:nvPr>
+            <p:ph type="title"/>
+          </p:nvPr>
+        </p:nvSpPr>
+        <p:spPr>
+          <a:xfrm>
+            <a:off x="838200" y="1"/>
+            <a:ext cx="10515600" cy="877077"/>
+          </a:xfrm>
+        </p:spPr>
+        <p:txBody>
+          <a:bodyPr/>
+          <a:lstStyle/>
+          <a:p>
+            <a:r>
+              <a:rPr lang="en-US" altLang="zh-TW" dirty="0"/>
+              <a:t>Results and discussion</a:t>
+            </a:r>
+            <a:endParaRPr lang="zh-TW" altLang="en-US" dirty="0"/>
+          </a:p>
+        </p:txBody>
+      </p:sp>
+      <p:sp>
+        <p:nvSpPr>
+          <p:cNvPr id="3" name="內容版面配置區 2">
+            <a:extLst>
+              <a:ext uri="{FF2B5EF4-FFF2-40B4-BE49-F238E27FC236}">
+                <a16:creationId xmlns:a16="http://schemas.microsoft.com/office/drawing/2014/main" id="{F8E35C42-33C6-400D-BA74-671AF110E30B}"/>
+              </a:ext>
+            </a:extLst>
+          </p:cNvPr>
+          <p:cNvSpPr>
+            <a:spLocks noGrp="1"/>
+          </p:cNvSpPr>
+          <p:nvPr>
+            <p:ph idx="1"/>
+          </p:nvPr>
+        </p:nvSpPr>
+        <p:spPr>
+          <a:xfrm>
+            <a:off x="838200" y="877078"/>
+            <a:ext cx="10515600" cy="5686951"/>
+          </a:xfrm>
+        </p:spPr>
+        <p:txBody>
+          <a:bodyPr>
+            <a:normAutofit/>
+          </a:bodyPr>
+          <a:lstStyle/>
+          <a:p>
+            <a:pPr marL="0" indent="0">
+              <a:buNone/>
+            </a:pPr>
+            <a:r>
+              <a:rPr lang="en-US" altLang="zh-TW" sz="2000" b="0" i="0" dirty="0">
+                <a:solidFill>
+                  <a:srgbClr val="2E2E2E"/>
+                </a:solidFill>
+                <a:effectLst/>
+                <a:latin typeface="NexusSerif"/>
+              </a:rPr>
+              <a:t>    </a:t>
+            </a:r>
+            <a:r>
+              <a:rPr lang="en-US" altLang="zh-TW" sz="2000" dirty="0">
+                <a:solidFill>
+                  <a:srgbClr val="2E2E2E"/>
+                </a:solidFill>
+                <a:latin typeface="NexusSerif"/>
+              </a:rPr>
+              <a:t>The area under the receiver operating characteristics curve (</a:t>
+            </a:r>
+            <a:r>
+              <a:rPr lang="en-US" altLang="zh-TW" sz="2000" dirty="0" err="1">
+                <a:solidFill>
+                  <a:srgbClr val="2E2E2E"/>
+                </a:solidFill>
+                <a:latin typeface="NexusSerif"/>
+              </a:rPr>
+              <a:t>auROC</a:t>
+            </a:r>
+            <a:r>
+              <a:rPr lang="en-US" altLang="zh-TW" sz="2000" dirty="0">
+                <a:solidFill>
+                  <a:srgbClr val="2E2E2E"/>
+                </a:solidFill>
+                <a:latin typeface="NexusSerif"/>
+              </a:rPr>
+              <a:t>) is used to evaluate the performance quality of a classifier. </a:t>
+            </a:r>
+            <a:r>
+              <a:rPr lang="en-US" altLang="zh-TW" sz="2000" dirty="0">
+                <a:solidFill>
+                  <a:srgbClr val="2E2E2E"/>
+                </a:solidFill>
+                <a:latin typeface="NexusSerif"/>
+                <a:hlinkClick r:id="rId3">
+                  <a:extLst>
+                    <a:ext uri="{A12FA001-AC4F-418D-AE19-62706E023703}">
+                      <ahyp:hlinkClr xmlns:ahyp="http://schemas.microsoft.com/office/drawing/2018/hyperlinkcolor" val="tx"/>
+                    </a:ext>
+                  </a:extLst>
+                </a:hlinkClick>
+              </a:rPr>
+              <a:t>Fig. 2</a:t>
+            </a:r>
+            <a:r>
+              <a:rPr lang="en-US" altLang="zh-TW" sz="2000" dirty="0">
+                <a:solidFill>
+                  <a:srgbClr val="2E2E2E"/>
+                </a:solidFill>
+                <a:latin typeface="NexusSerif"/>
+              </a:rPr>
+              <a:t> represents the </a:t>
+            </a:r>
+            <a:r>
+              <a:rPr lang="en-US" altLang="zh-TW" sz="2000" dirty="0" err="1">
+                <a:solidFill>
+                  <a:srgbClr val="2E2E2E"/>
+                </a:solidFill>
+                <a:latin typeface="NexusSerif"/>
+              </a:rPr>
+              <a:t>auROC</a:t>
+            </a:r>
+            <a:r>
+              <a:rPr lang="en-US" altLang="zh-TW" sz="2000" dirty="0">
+                <a:solidFill>
+                  <a:srgbClr val="2E2E2E"/>
+                </a:solidFill>
+                <a:latin typeface="NexusSerif"/>
+              </a:rPr>
+              <a:t> of i6mA-DNC, which is 95.93. </a:t>
+            </a:r>
+          </a:p>
+        </p:txBody>
+      </p:sp>
+      <p:pic>
+        <p:nvPicPr>
+          <p:cNvPr id="6" name="圖片 5">
+            <a:extLst>
+              <a:ext uri="{FF2B5EF4-FFF2-40B4-BE49-F238E27FC236}">
+                <a16:creationId xmlns:a16="http://schemas.microsoft.com/office/drawing/2014/main" id="{AAC0A434-A636-47D7-BB6A-9DBDB71CAE1E}"/>
+              </a:ext>
+            </a:extLst>
+          </p:cNvPr>
+          <p:cNvPicPr>
+            <a:picLocks noChangeAspect="1"/>
+          </p:cNvPicPr>
+          <p:nvPr/>
+        </p:nvPicPr>
+        <p:blipFill>
+          <a:blip r:embed="rId4"/>
+          <a:stretch>
+            <a:fillRect/>
+          </a:stretch>
+        </p:blipFill>
+        <p:spPr>
+          <a:xfrm>
+            <a:off x="2945858" y="2102969"/>
+            <a:ext cx="6300284" cy="4101887"/>
+          </a:xfrm>
+          <a:prstGeom prst="rect">
+            <a:avLst/>
+          </a:prstGeom>
+        </p:spPr>
+      </p:pic>
+    </p:spTree>
+    <p:extLst>
+      <p:ext uri="{BB962C8B-B14F-4D97-AF65-F5344CB8AC3E}">
+        <p14:creationId xmlns:p14="http://schemas.microsoft.com/office/powerpoint/2010/main" val="2738899246"/>
+      </p:ext>
+    </p:extLst>
+  </p:cSld>
+  <p:clrMapOvr>
+    <a:masterClrMapping/>
+  </p:clrMapOvr>
+</p:sld>
+</file>
+
+<file path=ppt/slides/slide17.xml><?xml version="1.0" encoding="utf-8"?>
+<p:sld xmlns:a="http://schemas.openxmlformats.org/drawingml/2006/main" xmlns:r="http://schemas.openxmlformats.org/officeDocument/2006/relationships" xmlns:p="http://schemas.openxmlformats.org/presentationml/2006/main">
+  <p:cSld>
+    <p:spTree>
+      <p:nvGrpSpPr>
+        <p:cNvPr id="1" name=""/>
+        <p:cNvGrpSpPr/>
+        <p:nvPr/>
+      </p:nvGrpSpPr>
+      <p:grpSpPr>
+        <a:xfrm>
+          <a:off x="0" y="0"/>
+          <a:ext cx="0" cy="0"/>
+          <a:chOff x="0" y="0"/>
+          <a:chExt cx="0" cy="0"/>
+        </a:xfrm>
+      </p:grpSpPr>
+      <p:sp>
+        <p:nvSpPr>
+          <p:cNvPr id="2" name="標題 1">
+            <a:extLst>
+              <a:ext uri="{FF2B5EF4-FFF2-40B4-BE49-F238E27FC236}">
+                <a16:creationId xmlns:a16="http://schemas.microsoft.com/office/drawing/2014/main" id="{F434CB04-C420-4025-A0E7-3AD37A433698}"/>
+              </a:ext>
+            </a:extLst>
+          </p:cNvPr>
+          <p:cNvSpPr>
+            <a:spLocks noGrp="1"/>
+          </p:cNvSpPr>
+          <p:nvPr>
+            <p:ph type="title"/>
+          </p:nvPr>
+        </p:nvSpPr>
+        <p:spPr>
+          <a:xfrm>
+            <a:off x="838200" y="1"/>
+            <a:ext cx="10515600" cy="877077"/>
+          </a:xfrm>
+        </p:spPr>
+        <p:txBody>
+          <a:bodyPr/>
+          <a:lstStyle/>
+          <a:p>
+            <a:r>
+              <a:rPr lang="en-US" altLang="zh-TW" dirty="0"/>
+              <a:t>Results and discussion</a:t>
+            </a:r>
+            <a:endParaRPr lang="zh-TW" altLang="en-US" dirty="0"/>
+          </a:p>
+        </p:txBody>
+      </p:sp>
+      <p:sp>
+        <p:nvSpPr>
+          <p:cNvPr id="3" name="內容版面配置區 2">
+            <a:extLst>
+              <a:ext uri="{FF2B5EF4-FFF2-40B4-BE49-F238E27FC236}">
+                <a16:creationId xmlns:a16="http://schemas.microsoft.com/office/drawing/2014/main" id="{F8E35C42-33C6-400D-BA74-671AF110E30B}"/>
+              </a:ext>
+            </a:extLst>
+          </p:cNvPr>
+          <p:cNvSpPr>
+            <a:spLocks noGrp="1"/>
+          </p:cNvSpPr>
+          <p:nvPr>
+            <p:ph idx="1"/>
+          </p:nvPr>
+        </p:nvSpPr>
+        <p:spPr>
+          <a:xfrm>
+            <a:off x="838200" y="877078"/>
+            <a:ext cx="10515600" cy="5686951"/>
+          </a:xfrm>
+        </p:spPr>
+        <p:txBody>
+          <a:bodyPr>
+            <a:normAutofit/>
+          </a:bodyPr>
+          <a:lstStyle/>
+          <a:p>
+            <a:pPr marL="0" indent="0">
+              <a:buNone/>
+            </a:pPr>
+            <a:r>
+              <a:rPr lang="en-US" altLang="zh-TW" sz="2000" b="0" i="0" dirty="0">
+                <a:solidFill>
+                  <a:srgbClr val="2E2E2E"/>
+                </a:solidFill>
+                <a:effectLst/>
+                <a:latin typeface="NexusSerif"/>
+              </a:rPr>
+              <a:t> </a:t>
+            </a:r>
+            <a:r>
+              <a:rPr lang="en-US" altLang="zh-TW" sz="2000" dirty="0">
+                <a:solidFill>
+                  <a:srgbClr val="2E2E2E"/>
+                </a:solidFill>
+                <a:latin typeface="NexusSerif"/>
+                <a:hlinkClick r:id="rId3">
+                  <a:extLst>
+                    <a:ext uri="{A12FA001-AC4F-418D-AE19-62706E023703}">
+                      <ahyp:hlinkClr xmlns:ahyp="http://schemas.microsoft.com/office/drawing/2018/hyperlinkcolor" val="tx"/>
+                    </a:ext>
+                  </a:extLst>
+                </a:hlinkClick>
+              </a:rPr>
+              <a:t>Fig. 3</a:t>
+            </a:r>
+            <a:r>
+              <a:rPr lang="en-US" altLang="zh-TW" sz="2000" dirty="0">
+                <a:solidFill>
+                  <a:srgbClr val="2E2E2E"/>
+                </a:solidFill>
+                <a:latin typeface="NexusSerif"/>
+              </a:rPr>
+              <a:t> is a graphical illustration that compares the performance between the four prediction systems: i6mA-DNC, iN6-methylat (5-step), iDNA6mA, and i6mA-Pred. This figure shows that our proposed model produced the best result. </a:t>
+            </a:r>
+          </a:p>
+        </p:txBody>
+      </p:sp>
+      <p:pic>
+        <p:nvPicPr>
+          <p:cNvPr id="8" name="圖片 7">
+            <a:extLst>
+              <a:ext uri="{FF2B5EF4-FFF2-40B4-BE49-F238E27FC236}">
+                <a16:creationId xmlns:a16="http://schemas.microsoft.com/office/drawing/2014/main" id="{39A1E14D-A3D5-4E2E-AF3C-399EE63800CE}"/>
+              </a:ext>
+            </a:extLst>
+          </p:cNvPr>
+          <p:cNvPicPr>
+            <a:picLocks noChangeAspect="1"/>
+          </p:cNvPicPr>
+          <p:nvPr/>
+        </p:nvPicPr>
+        <p:blipFill>
+          <a:blip r:embed="rId4"/>
+          <a:stretch>
+            <a:fillRect/>
+          </a:stretch>
+        </p:blipFill>
+        <p:spPr>
+          <a:xfrm>
+            <a:off x="3242864" y="2044818"/>
+            <a:ext cx="5706271" cy="4582164"/>
+          </a:xfrm>
+          <a:prstGeom prst="rect">
+            <a:avLst/>
+          </a:prstGeom>
+        </p:spPr>
+      </p:pic>
+    </p:spTree>
+    <p:extLst>
+      <p:ext uri="{BB962C8B-B14F-4D97-AF65-F5344CB8AC3E}">
+        <p14:creationId xmlns:p14="http://schemas.microsoft.com/office/powerpoint/2010/main" val="4178245185"/>
+      </p:ext>
+    </p:extLst>
+  </p:cSld>
+  <p:clrMapOvr>
+    <a:masterClrMapping/>
+  </p:clrMapOvr>
+</p:sld>
+</file>
+
+<file path=ppt/slides/slide18.xml><?xml version="1.0" encoding="utf-8"?>
+<p:sld xmlns:a="http://schemas.openxmlformats.org/drawingml/2006/main" xmlns:r="http://schemas.openxmlformats.org/officeDocument/2006/relationships" xmlns:p="http://schemas.openxmlformats.org/presentationml/2006/main">
+  <p:cSld>
+    <p:spTree>
+      <p:nvGrpSpPr>
+        <p:cNvPr id="1" name=""/>
+        <p:cNvGrpSpPr/>
+        <p:nvPr/>
+      </p:nvGrpSpPr>
+      <p:grpSpPr>
+        <a:xfrm>
+          <a:off x="0" y="0"/>
+          <a:ext cx="0" cy="0"/>
+          <a:chOff x="0" y="0"/>
+          <a:chExt cx="0" cy="0"/>
+        </a:xfrm>
+      </p:grpSpPr>
+      <p:sp>
+        <p:nvSpPr>
+          <p:cNvPr id="2" name="標題 1">
+            <a:extLst>
+              <a:ext uri="{FF2B5EF4-FFF2-40B4-BE49-F238E27FC236}">
+                <a16:creationId xmlns:a16="http://schemas.microsoft.com/office/drawing/2014/main" id="{F434CB04-C420-4025-A0E7-3AD37A433698}"/>
+              </a:ext>
+            </a:extLst>
+          </p:cNvPr>
+          <p:cNvSpPr>
+            <a:spLocks noGrp="1"/>
+          </p:cNvSpPr>
+          <p:nvPr>
+            <p:ph type="title"/>
+          </p:nvPr>
+        </p:nvSpPr>
+        <p:spPr>
+          <a:xfrm>
+            <a:off x="838200" y="1"/>
+            <a:ext cx="10515600" cy="877077"/>
+          </a:xfrm>
+        </p:spPr>
+        <p:txBody>
+          <a:bodyPr/>
+          <a:lstStyle/>
+          <a:p>
+            <a:r>
+              <a:rPr lang="en-US" altLang="zh-TW" dirty="0"/>
+              <a:t>Results and discussion</a:t>
+            </a:r>
+            <a:endParaRPr lang="zh-TW" altLang="en-US" dirty="0"/>
+          </a:p>
+        </p:txBody>
+      </p:sp>
+      <p:sp>
+        <p:nvSpPr>
+          <p:cNvPr id="3" name="內容版面配置區 2">
+            <a:extLst>
+              <a:ext uri="{FF2B5EF4-FFF2-40B4-BE49-F238E27FC236}">
+                <a16:creationId xmlns:a16="http://schemas.microsoft.com/office/drawing/2014/main" id="{F8E35C42-33C6-400D-BA74-671AF110E30B}"/>
+              </a:ext>
+            </a:extLst>
+          </p:cNvPr>
+          <p:cNvSpPr>
+            <a:spLocks noGrp="1"/>
+          </p:cNvSpPr>
+          <p:nvPr>
+            <p:ph idx="1"/>
+          </p:nvPr>
+        </p:nvSpPr>
+        <p:spPr>
+          <a:xfrm>
+            <a:off x="838200" y="877078"/>
+            <a:ext cx="10515600" cy="5686951"/>
+          </a:xfrm>
+        </p:spPr>
+        <p:txBody>
+          <a:bodyPr>
+            <a:normAutofit/>
+          </a:bodyPr>
+          <a:lstStyle/>
+          <a:p>
+            <a:pPr marL="0" indent="0">
+              <a:buNone/>
+            </a:pPr>
+            <a:r>
+              <a:rPr lang="en-US" altLang="zh-TW" sz="2000" b="0" i="0" dirty="0">
+                <a:solidFill>
+                  <a:srgbClr val="2E2E2E"/>
+                </a:solidFill>
+                <a:effectLst/>
+                <a:latin typeface="NexusSerif"/>
+              </a:rPr>
+              <a:t> </a:t>
+            </a:r>
+            <a:r>
+              <a:rPr lang="en-US" altLang="zh-TW" sz="2000" dirty="0">
+                <a:solidFill>
+                  <a:srgbClr val="2E2E2E"/>
+                </a:solidFill>
+                <a:latin typeface="NexusSerif"/>
+                <a:hlinkClick r:id="rId3">
+                  <a:extLst>
+                    <a:ext uri="{A12FA001-AC4F-418D-AE19-62706E023703}">
+                      <ahyp:hlinkClr xmlns:ahyp="http://schemas.microsoft.com/office/drawing/2018/hyperlinkcolor" val="tx"/>
+                    </a:ext>
+                  </a:extLst>
+                </a:hlinkClick>
+              </a:rPr>
+              <a:t>Fig. 4</a:t>
+            </a:r>
+            <a:r>
+              <a:rPr lang="en-US" altLang="zh-TW" sz="2000" dirty="0">
+                <a:solidFill>
+                  <a:srgbClr val="2E2E2E"/>
+                </a:solidFill>
+                <a:latin typeface="NexusSerif"/>
+              </a:rPr>
+              <a:t> shows the visualization of the confusion matrix performance of i6mA-DNC.</a:t>
+            </a:r>
+          </a:p>
+        </p:txBody>
+      </p:sp>
+      <p:pic>
+        <p:nvPicPr>
+          <p:cNvPr id="5" name="圖片 4">
+            <a:extLst>
+              <a:ext uri="{FF2B5EF4-FFF2-40B4-BE49-F238E27FC236}">
+                <a16:creationId xmlns:a16="http://schemas.microsoft.com/office/drawing/2014/main" id="{37481A34-17A2-41A2-A3A0-451F2CEF078C}"/>
+              </a:ext>
+            </a:extLst>
+          </p:cNvPr>
+          <p:cNvPicPr>
+            <a:picLocks noChangeAspect="1"/>
+          </p:cNvPicPr>
+          <p:nvPr/>
+        </p:nvPicPr>
+        <p:blipFill>
+          <a:blip r:embed="rId4"/>
+          <a:stretch>
+            <a:fillRect/>
+          </a:stretch>
+        </p:blipFill>
+        <p:spPr>
+          <a:xfrm>
+            <a:off x="3490549" y="1572365"/>
+            <a:ext cx="5210902" cy="4296375"/>
+          </a:xfrm>
+          <a:prstGeom prst="rect">
+            <a:avLst/>
+          </a:prstGeom>
+        </p:spPr>
+      </p:pic>
+    </p:spTree>
+    <p:extLst>
+      <p:ext uri="{BB962C8B-B14F-4D97-AF65-F5344CB8AC3E}">
+        <p14:creationId xmlns:p14="http://schemas.microsoft.com/office/powerpoint/2010/main" val="2093164727"/>
+      </p:ext>
+    </p:extLst>
+  </p:cSld>
+  <p:clrMapOvr>
+    <a:masterClrMapping/>
+  </p:clrMapOvr>
+</p:sld>
+</file>
+
+<file path=ppt/slides/slide19.xml><?xml version="1.0" encoding="utf-8"?>
+<p:sld xmlns:a="http://schemas.openxmlformats.org/drawingml/2006/main" xmlns:r="http://schemas.openxmlformats.org/officeDocument/2006/relationships" xmlns:p="http://schemas.openxmlformats.org/presentationml/2006/main">
+  <p:cSld>
+    <p:spTree>
+      <p:nvGrpSpPr>
+        <p:cNvPr id="1" name=""/>
+        <p:cNvGrpSpPr/>
+        <p:nvPr/>
+      </p:nvGrpSpPr>
+      <p:grpSpPr>
+        <a:xfrm>
+          <a:off x="0" y="0"/>
+          <a:ext cx="0" cy="0"/>
+          <a:chOff x="0" y="0"/>
+          <a:chExt cx="0" cy="0"/>
+        </a:xfrm>
+      </p:grpSpPr>
+      <p:sp>
+        <p:nvSpPr>
+          <p:cNvPr id="2" name="標題 1">
+            <a:extLst>
+              <a:ext uri="{FF2B5EF4-FFF2-40B4-BE49-F238E27FC236}">
+                <a16:creationId xmlns:a16="http://schemas.microsoft.com/office/drawing/2014/main" id="{F434CB04-C420-4025-A0E7-3AD37A433698}"/>
+              </a:ext>
+            </a:extLst>
+          </p:cNvPr>
+          <p:cNvSpPr>
+            <a:spLocks noGrp="1"/>
+          </p:cNvSpPr>
+          <p:nvPr>
+            <p:ph type="title"/>
+          </p:nvPr>
+        </p:nvSpPr>
+        <p:spPr>
+          <a:xfrm>
+            <a:off x="838200" y="1"/>
+            <a:ext cx="10515600" cy="877077"/>
+          </a:xfrm>
+        </p:spPr>
+        <p:txBody>
+          <a:bodyPr/>
+          <a:lstStyle/>
+          <a:p>
+            <a:r>
+              <a:rPr lang="en-US" altLang="zh-TW" dirty="0"/>
+              <a:t>Results and discussion</a:t>
+            </a:r>
+            <a:endParaRPr lang="zh-TW" altLang="en-US" dirty="0"/>
+          </a:p>
+        </p:txBody>
+      </p:sp>
+      <p:sp>
+        <p:nvSpPr>
+          <p:cNvPr id="3" name="內容版面配置區 2">
+            <a:extLst>
+              <a:ext uri="{FF2B5EF4-FFF2-40B4-BE49-F238E27FC236}">
+                <a16:creationId xmlns:a16="http://schemas.microsoft.com/office/drawing/2014/main" id="{F8E35C42-33C6-400D-BA74-671AF110E30B}"/>
+              </a:ext>
+            </a:extLst>
+          </p:cNvPr>
+          <p:cNvSpPr>
+            <a:spLocks noGrp="1"/>
+          </p:cNvSpPr>
+          <p:nvPr>
+            <p:ph idx="1"/>
+          </p:nvPr>
+        </p:nvSpPr>
+        <p:spPr>
+          <a:xfrm>
+            <a:off x="838200" y="877078"/>
+            <a:ext cx="10515600" cy="5686951"/>
+          </a:xfrm>
+        </p:spPr>
+        <p:txBody>
+          <a:bodyPr>
+            <a:normAutofit/>
+          </a:bodyPr>
+          <a:lstStyle/>
+          <a:p>
+            <a:pPr marL="0" indent="0" algn="l">
+              <a:buNone/>
+            </a:pPr>
+            <a:r>
+              <a:rPr lang="zh-TW" altLang="en-US" sz="2000" b="0" i="0" dirty="0">
+                <a:solidFill>
+                  <a:srgbClr val="2E2E2E"/>
+                </a:solidFill>
+                <a:effectLst/>
+                <a:latin typeface="NexusSerif"/>
+              </a:rPr>
+              <a:t>    </a:t>
+            </a:r>
+            <a:r>
+              <a:rPr lang="en-US" altLang="zh-TW" sz="2000" b="0" i="0" dirty="0">
+                <a:solidFill>
+                  <a:srgbClr val="2E2E2E"/>
+                </a:solidFill>
+                <a:effectLst/>
+                <a:latin typeface="NexusSerif"/>
+              </a:rPr>
+              <a:t>For the comprehensive evaluation, we tried to test the model on an independent dataset which is available at (</a:t>
+            </a:r>
+            <a:r>
+              <a:rPr lang="en-US" altLang="zh-TW" sz="2000" b="0" i="0" u="none" strike="noStrike" dirty="0">
+                <a:solidFill>
+                  <a:srgbClr val="0C7DBB"/>
+                </a:solidFill>
+                <a:effectLst/>
+                <a:latin typeface="NexusSerif"/>
+                <a:hlinkClick r:id="rId3"/>
+              </a:rPr>
+              <a:t>https://www.ncbi.nlm.nih.gov/geo/query/acc.cgi?acc=GSE103145</a:t>
+            </a:r>
+            <a:r>
+              <a:rPr lang="en-US" altLang="zh-TW" sz="2000" b="0" i="0" dirty="0">
+                <a:solidFill>
+                  <a:srgbClr val="2E2E2E"/>
+                </a:solidFill>
+                <a:effectLst/>
+                <a:latin typeface="NexusSerif"/>
+              </a:rPr>
+              <a:t>). In this dataset, we selected the sequences with association modification score (</a:t>
+            </a:r>
+            <a:r>
+              <a:rPr lang="en-US" altLang="zh-TW" sz="2000" b="0" i="0" dirty="0" err="1">
+                <a:solidFill>
+                  <a:srgbClr val="2E2E2E"/>
+                </a:solidFill>
+                <a:effectLst/>
+                <a:latin typeface="NexusSerif"/>
+              </a:rPr>
+              <a:t>ModQV</a:t>
+            </a:r>
+            <a:r>
+              <a:rPr lang="en-US" altLang="zh-TW" sz="2000" b="0" i="0" dirty="0">
+                <a:solidFill>
+                  <a:srgbClr val="2E2E2E"/>
+                </a:solidFill>
+                <a:effectLst/>
+                <a:latin typeface="NexusSerif"/>
+              </a:rPr>
+              <a:t>) with more than 30 as well as they share less than 60% of similarity of the sequences in the benchmark dataset. As a result, we obtained 221 </a:t>
+            </a:r>
+            <a:r>
+              <a:rPr lang="zh-TW" altLang="en-US" sz="2000" b="0" i="0" dirty="0">
+                <a:solidFill>
+                  <a:srgbClr val="2E2E2E"/>
+                </a:solidFill>
+                <a:effectLst/>
+                <a:latin typeface="NexusSerif"/>
+              </a:rPr>
+              <a:t> </a:t>
+            </a:r>
+            <a:r>
+              <a:rPr lang="en-US" altLang="zh-TW" sz="2000" b="0" i="0" dirty="0">
+                <a:solidFill>
+                  <a:srgbClr val="2E2E2E"/>
+                </a:solidFill>
+                <a:effectLst/>
+                <a:latin typeface="NexusSerif"/>
+              </a:rPr>
+              <a:t>6​mA positive sequences. On the other hand, the 221 negative sequences were chosen with A at the center but not detected by SMRT-seq. The achieved results are 88.64%, 89.09%, 88.18%, 77.28% for Acc, Sn, </a:t>
+            </a:r>
+            <a:r>
+              <a:rPr lang="en-US" altLang="zh-TW" sz="2000" b="0" i="0" dirty="0" err="1">
+                <a:solidFill>
+                  <a:srgbClr val="2E2E2E"/>
+                </a:solidFill>
+                <a:effectLst/>
+                <a:latin typeface="NexusSerif"/>
+              </a:rPr>
+              <a:t>Sp</a:t>
+            </a:r>
+            <a:r>
+              <a:rPr lang="en-US" altLang="zh-TW" sz="2000" b="0" i="0" dirty="0">
+                <a:solidFill>
+                  <a:srgbClr val="2E2E2E"/>
+                </a:solidFill>
+                <a:effectLst/>
+                <a:latin typeface="NexusSerif"/>
+              </a:rPr>
+              <a:t>, and MCC, respectively.</a:t>
+            </a:r>
+          </a:p>
+          <a:p>
+            <a:pPr marL="0" indent="0" algn="l">
+              <a:buNone/>
+            </a:pPr>
+            <a:r>
+              <a:rPr lang="zh-TW" altLang="en-US" sz="2000" b="0" i="0" dirty="0">
+                <a:solidFill>
+                  <a:srgbClr val="2E2E2E"/>
+                </a:solidFill>
+                <a:effectLst/>
+                <a:latin typeface="NexusSerif"/>
+              </a:rPr>
+              <a:t>    </a:t>
+            </a:r>
+            <a:r>
+              <a:rPr lang="en-US" altLang="zh-TW" sz="2000" b="0" i="0" dirty="0">
+                <a:solidFill>
+                  <a:srgbClr val="2E2E2E"/>
+                </a:solidFill>
+                <a:effectLst/>
+                <a:latin typeface="NexusSerif"/>
+              </a:rPr>
+              <a:t>Finally, we study the ability of the proposed model to figure out in-silico mutagenesis. For this, we computationally mutate the nucleotides in the benchmark dataset and we study the effect of the mutation on the final prediction outcomes. For example; for each sequence with length L, we have</a:t>
+            </a:r>
+            <a:r>
+              <a:rPr lang="zh-TW" altLang="en-US" sz="2000" b="0" i="0" dirty="0">
+                <a:solidFill>
+                  <a:srgbClr val="2E2E2E"/>
+                </a:solidFill>
+                <a:effectLst/>
+                <a:latin typeface="NexusSerif"/>
+              </a:rPr>
+              <a:t> </a:t>
+            </a:r>
+            <a:r>
+              <a:rPr lang="en-US" altLang="zh-TW" sz="2000" b="0" i="0" dirty="0">
+                <a:solidFill>
+                  <a:srgbClr val="2E2E2E"/>
+                </a:solidFill>
+                <a:effectLst/>
+                <a:latin typeface="NexusSerif"/>
+              </a:rPr>
+              <a:t> L x 3 possible mutations. For each mutation, we save the absolute difference. Then, we take an average of the prediction score modifications due to the mutations over the whole sequences in the benchmark dataset. The heat map in </a:t>
+            </a:r>
+            <a:r>
+              <a:rPr lang="en-US" altLang="zh-TW" sz="2000" b="0" i="0" u="none" strike="noStrike" dirty="0">
+                <a:solidFill>
+                  <a:srgbClr val="0C7DBB"/>
+                </a:solidFill>
+                <a:effectLst/>
+                <a:latin typeface="NexusSerif"/>
+                <a:hlinkClick r:id="rId4"/>
+              </a:rPr>
+              <a:t>Fig. 5</a:t>
+            </a:r>
+            <a:r>
+              <a:rPr lang="en-US" altLang="zh-TW" sz="2000" b="0" i="0" dirty="0">
+                <a:solidFill>
+                  <a:srgbClr val="2E2E2E"/>
+                </a:solidFill>
+                <a:effectLst/>
+                <a:latin typeface="NexusSerif"/>
+              </a:rPr>
+              <a:t> illustrates that the mutations in the center of the sequence affect the final prediction results more than the mutations in both sides of the sequence.</a:t>
+            </a:r>
+          </a:p>
+          <a:p>
+            <a:pPr marL="0" indent="0">
+              <a:buNone/>
+            </a:pPr>
+            <a:endParaRPr lang="en-US" altLang="zh-TW" sz="2000" dirty="0">
+              <a:solidFill>
+                <a:srgbClr val="2E2E2E"/>
+              </a:solidFill>
+              <a:latin typeface="NexusSerif"/>
+            </a:endParaRPr>
+          </a:p>
+        </p:txBody>
+      </p:sp>
+    </p:spTree>
+    <p:extLst>
+      <p:ext uri="{BB962C8B-B14F-4D97-AF65-F5344CB8AC3E}">
+        <p14:creationId xmlns:p14="http://schemas.microsoft.com/office/powerpoint/2010/main" val="2784551550"/>
       </p:ext>
     </p:extLst>
   </p:cSld>
@@ -5414,6 +6769,312 @@
     <p:extLst>
       <p:ext uri="{BB962C8B-B14F-4D97-AF65-F5344CB8AC3E}">
         <p14:creationId xmlns:p14="http://schemas.microsoft.com/office/powerpoint/2010/main" val="827146887"/>
+      </p:ext>
+    </p:extLst>
+  </p:cSld>
+  <p:clrMapOvr>
+    <a:masterClrMapping/>
+  </p:clrMapOvr>
+</p:sld>
+</file>
+
+<file path=ppt/slides/slide20.xml><?xml version="1.0" encoding="utf-8"?>
+<p:sld xmlns:a="http://schemas.openxmlformats.org/drawingml/2006/main" xmlns:r="http://schemas.openxmlformats.org/officeDocument/2006/relationships" xmlns:p="http://schemas.openxmlformats.org/presentationml/2006/main">
+  <p:cSld>
+    <p:spTree>
+      <p:nvGrpSpPr>
+        <p:cNvPr id="1" name=""/>
+        <p:cNvGrpSpPr/>
+        <p:nvPr/>
+      </p:nvGrpSpPr>
+      <p:grpSpPr>
+        <a:xfrm>
+          <a:off x="0" y="0"/>
+          <a:ext cx="0" cy="0"/>
+          <a:chOff x="0" y="0"/>
+          <a:chExt cx="0" cy="0"/>
+        </a:xfrm>
+      </p:grpSpPr>
+      <p:sp>
+        <p:nvSpPr>
+          <p:cNvPr id="2" name="標題 1">
+            <a:extLst>
+              <a:ext uri="{FF2B5EF4-FFF2-40B4-BE49-F238E27FC236}">
+                <a16:creationId xmlns:a16="http://schemas.microsoft.com/office/drawing/2014/main" id="{F434CB04-C420-4025-A0E7-3AD37A433698}"/>
+              </a:ext>
+            </a:extLst>
+          </p:cNvPr>
+          <p:cNvSpPr>
+            <a:spLocks noGrp="1"/>
+          </p:cNvSpPr>
+          <p:nvPr>
+            <p:ph type="title"/>
+          </p:nvPr>
+        </p:nvSpPr>
+        <p:spPr>
+          <a:xfrm>
+            <a:off x="838200" y="1"/>
+            <a:ext cx="10515600" cy="877077"/>
+          </a:xfrm>
+        </p:spPr>
+        <p:txBody>
+          <a:bodyPr/>
+          <a:lstStyle/>
+          <a:p>
+            <a:r>
+              <a:rPr lang="en-US" altLang="zh-TW" dirty="0"/>
+              <a:t>Results and discussion</a:t>
+            </a:r>
+            <a:endParaRPr lang="zh-TW" altLang="en-US" dirty="0"/>
+          </a:p>
+        </p:txBody>
+      </p:sp>
+      <p:pic>
+        <p:nvPicPr>
+          <p:cNvPr id="5" name="內容版面配置區 4">
+            <a:extLst>
+              <a:ext uri="{FF2B5EF4-FFF2-40B4-BE49-F238E27FC236}">
+                <a16:creationId xmlns:a16="http://schemas.microsoft.com/office/drawing/2014/main" id="{D370A0FC-E04A-470D-A45D-89FADF698090}"/>
+              </a:ext>
+            </a:extLst>
+          </p:cNvPr>
+          <p:cNvPicPr>
+            <a:picLocks noGrp="1" noChangeAspect="1"/>
+          </p:cNvPicPr>
+          <p:nvPr>
+            <p:ph idx="1"/>
+          </p:nvPr>
+        </p:nvPicPr>
+        <p:blipFill>
+          <a:blip r:embed="rId3"/>
+          <a:stretch>
+            <a:fillRect/>
+          </a:stretch>
+        </p:blipFill>
+        <p:spPr>
+          <a:xfrm>
+            <a:off x="3192686" y="877078"/>
+            <a:ext cx="5601353" cy="5688013"/>
+          </a:xfrm>
+        </p:spPr>
+      </p:pic>
+    </p:spTree>
+    <p:extLst>
+      <p:ext uri="{BB962C8B-B14F-4D97-AF65-F5344CB8AC3E}">
+        <p14:creationId xmlns:p14="http://schemas.microsoft.com/office/powerpoint/2010/main" val="1986395448"/>
+      </p:ext>
+    </p:extLst>
+  </p:cSld>
+  <p:clrMapOvr>
+    <a:masterClrMapping/>
+  </p:clrMapOvr>
+</p:sld>
+</file>
+
+<file path=ppt/slides/slide21.xml><?xml version="1.0" encoding="utf-8"?>
+<p:sld xmlns:a="http://schemas.openxmlformats.org/drawingml/2006/main" xmlns:r="http://schemas.openxmlformats.org/officeDocument/2006/relationships" xmlns:p="http://schemas.openxmlformats.org/presentationml/2006/main">
+  <p:cSld>
+    <p:spTree>
+      <p:nvGrpSpPr>
+        <p:cNvPr id="1" name=""/>
+        <p:cNvGrpSpPr/>
+        <p:nvPr/>
+      </p:nvGrpSpPr>
+      <p:grpSpPr>
+        <a:xfrm>
+          <a:off x="0" y="0"/>
+          <a:ext cx="0" cy="0"/>
+          <a:chOff x="0" y="0"/>
+          <a:chExt cx="0" cy="0"/>
+        </a:xfrm>
+      </p:grpSpPr>
+      <p:sp>
+        <p:nvSpPr>
+          <p:cNvPr id="2" name="標題 1">
+            <a:extLst>
+              <a:ext uri="{FF2B5EF4-FFF2-40B4-BE49-F238E27FC236}">
+                <a16:creationId xmlns:a16="http://schemas.microsoft.com/office/drawing/2014/main" id="{F434CB04-C420-4025-A0E7-3AD37A433698}"/>
+              </a:ext>
+            </a:extLst>
+          </p:cNvPr>
+          <p:cNvSpPr>
+            <a:spLocks noGrp="1"/>
+          </p:cNvSpPr>
+          <p:nvPr>
+            <p:ph type="title"/>
+          </p:nvPr>
+        </p:nvSpPr>
+        <p:spPr>
+          <a:xfrm>
+            <a:off x="838200" y="1"/>
+            <a:ext cx="10515600" cy="877077"/>
+          </a:xfrm>
+        </p:spPr>
+        <p:txBody>
+          <a:bodyPr/>
+          <a:lstStyle/>
+          <a:p>
+            <a:r>
+              <a:rPr lang="en-US" altLang="zh-TW" dirty="0"/>
+              <a:t>Conclusion</a:t>
+            </a:r>
+            <a:endParaRPr lang="zh-TW" altLang="en-US" dirty="0"/>
+          </a:p>
+        </p:txBody>
+      </p:sp>
+      <p:sp>
+        <p:nvSpPr>
+          <p:cNvPr id="3" name="內容版面配置區 2">
+            <a:extLst>
+              <a:ext uri="{FF2B5EF4-FFF2-40B4-BE49-F238E27FC236}">
+                <a16:creationId xmlns:a16="http://schemas.microsoft.com/office/drawing/2014/main" id="{F8E35C42-33C6-400D-BA74-671AF110E30B}"/>
+              </a:ext>
+            </a:extLst>
+          </p:cNvPr>
+          <p:cNvSpPr>
+            <a:spLocks noGrp="1"/>
+          </p:cNvSpPr>
+          <p:nvPr>
+            <p:ph idx="1"/>
+          </p:nvPr>
+        </p:nvSpPr>
+        <p:spPr>
+          <a:xfrm>
+            <a:off x="838200" y="877078"/>
+            <a:ext cx="10515600" cy="5686951"/>
+          </a:xfrm>
+        </p:spPr>
+        <p:txBody>
+          <a:bodyPr>
+            <a:normAutofit/>
+          </a:bodyPr>
+          <a:lstStyle/>
+          <a:p>
+            <a:pPr marL="0" indent="0" algn="l">
+              <a:buNone/>
+            </a:pPr>
+            <a:r>
+              <a:rPr lang="zh-TW" altLang="en-US" sz="2000" b="0" i="0" dirty="0">
+                <a:solidFill>
+                  <a:srgbClr val="2E2E2E"/>
+                </a:solidFill>
+                <a:effectLst/>
+                <a:latin typeface="NexusSerif"/>
+              </a:rPr>
+              <a:t>    </a:t>
+            </a:r>
+            <a:r>
+              <a:rPr lang="en-US" altLang="zh-TW" sz="2000" b="0" i="0" dirty="0">
+                <a:solidFill>
+                  <a:srgbClr val="2E2E2E"/>
+                </a:solidFill>
+                <a:effectLst/>
+                <a:latin typeface="NexusSerif"/>
+              </a:rPr>
+              <a:t>Identification of DNA methylation sites is crucial for understanding various biological processes for both drug development and academia. In this study, we designed a novel computational model based on CNN to identify 6 ​mA sites from DNA samples. </a:t>
+            </a:r>
+          </a:p>
+          <a:p>
+            <a:pPr marL="0" indent="0" algn="l">
+              <a:buNone/>
+            </a:pPr>
+            <a:r>
+              <a:rPr lang="en-US" altLang="zh-TW" sz="2000" dirty="0">
+                <a:solidFill>
+                  <a:srgbClr val="2E2E2E"/>
+                </a:solidFill>
+                <a:latin typeface="NexusSerif"/>
+              </a:rPr>
+              <a:t>    </a:t>
+            </a:r>
+            <a:r>
+              <a:rPr lang="en-US" altLang="zh-TW" sz="2000" b="0" i="0" dirty="0">
+                <a:solidFill>
+                  <a:srgbClr val="2E2E2E"/>
+                </a:solidFill>
+                <a:effectLst/>
+                <a:latin typeface="NexusSerif"/>
+              </a:rPr>
+              <a:t>We </a:t>
+            </a:r>
+            <a:r>
+              <a:rPr lang="en-US" altLang="zh-TW" sz="2000" b="0" i="0" dirty="0" err="1">
+                <a:solidFill>
+                  <a:srgbClr val="2E2E2E"/>
+                </a:solidFill>
+                <a:effectLst/>
+                <a:latin typeface="NexusSerif"/>
+              </a:rPr>
+              <a:t>frist</a:t>
+            </a:r>
+            <a:r>
+              <a:rPr lang="en-US" altLang="zh-TW" sz="2000" b="0" i="0" dirty="0">
+                <a:solidFill>
+                  <a:srgbClr val="2E2E2E"/>
+                </a:solidFill>
+                <a:effectLst/>
+                <a:latin typeface="NexusSerif"/>
+              </a:rPr>
+              <a:t> converted the raw genomic sequences into groups of dinucleotide components and then fed the pre-processed samples to CNN to identify 6 ​mA sites. Our proposed model was tested on a benchmark dataset and surpassed the existing state-of-the-art models with regard to every evaluation parameters(sensitivity, specificity, accuracy, Mathew’s correlation coefficient, and area under the receiver operating characteristics curve). </a:t>
+            </a:r>
+          </a:p>
+          <a:p>
+            <a:pPr marL="0" indent="0" algn="l">
+              <a:buNone/>
+            </a:pPr>
+            <a:r>
+              <a:rPr lang="en-US" altLang="zh-TW" sz="2000" dirty="0">
+                <a:solidFill>
+                  <a:srgbClr val="2E2E2E"/>
+                </a:solidFill>
+                <a:latin typeface="NexusSerif"/>
+              </a:rPr>
+              <a:t>   </a:t>
+            </a:r>
+            <a:r>
+              <a:rPr lang="en-US" altLang="zh-TW" sz="2000" b="0" i="0" dirty="0">
+                <a:solidFill>
+                  <a:srgbClr val="2E2E2E"/>
+                </a:solidFill>
+                <a:effectLst/>
+                <a:latin typeface="NexusSerif"/>
+              </a:rPr>
+              <a:t>We also tried the comprehensive evaluation of the proposed model based on independent dataset and achieved better results. To observe the ability of the proposed model, in-silico mutagenesis was tried by computationally mutate the nucleotides in the benchmark dataset. Finally, a user-friendly web server for the proposed model has been constructed and made available at </a:t>
+            </a:r>
+            <a:r>
+              <a:rPr lang="en-US" altLang="zh-TW" sz="2000" b="0" i="0" u="none" strike="noStrike" dirty="0">
+                <a:solidFill>
+                  <a:srgbClr val="0C7DBB"/>
+                </a:solidFill>
+                <a:effectLst/>
+                <a:latin typeface="NexusSerif"/>
+                <a:hlinkClick r:id="rId3"/>
+              </a:rPr>
+              <a:t>https://home.jbnu.ac.kr/NSCL/i6mA-DNC.htm</a:t>
+            </a:r>
+            <a:r>
+              <a:rPr lang="en-US" altLang="zh-TW" sz="2000" b="0" i="0" dirty="0">
+                <a:solidFill>
+                  <a:srgbClr val="2E2E2E"/>
+                </a:solidFill>
+                <a:effectLst/>
+                <a:latin typeface="NexusSerif"/>
+              </a:rPr>
+              <a:t>.</a:t>
+            </a:r>
+            <a:endParaRPr lang="en-US" altLang="zh-TW" sz="2000" dirty="0">
+              <a:solidFill>
+                <a:srgbClr val="2E2E2E"/>
+              </a:solidFill>
+              <a:latin typeface="NexusSerif"/>
+            </a:endParaRPr>
+          </a:p>
+        </p:txBody>
+      </p:sp>
+    </p:spTree>
+    <p:extLst>
+      <p:ext uri="{BB962C8B-B14F-4D97-AF65-F5344CB8AC3E}">
+        <p14:creationId xmlns:p14="http://schemas.microsoft.com/office/powerpoint/2010/main" val="2764919038"/>
       </p:ext>
     </p:extLst>
   </p:cSld>
@@ -6914,8 +8575,8 @@
           </a:p>
         </p:txBody>
       </p:sp>
-      <mc:AlternateContent xmlns:mc="http://schemas.openxmlformats.org/markup-compatibility/2006">
-        <mc:Choice xmlns:a14="http://schemas.microsoft.com/office/drawing/2010/main" Requires="a14">
+      <mc:AlternateContent xmlns:mc="http://schemas.openxmlformats.org/markup-compatibility/2006" xmlns:a14="http://schemas.microsoft.com/office/drawing/2010/main">
+        <mc:Choice Requires="a14">
           <p:sp>
             <p:nvSpPr>
               <p:cNvPr id="3" name="內容版面配置區 2">
@@ -7183,7 +8844,7 @@
             </p:txBody>
           </p:sp>
         </mc:Choice>
-        <mc:Fallback>
+        <mc:Fallback xmlns="">
           <p:sp>
             <p:nvSpPr>
               <p:cNvPr id="3" name="內容版面配置區 2">
